--- a/slides/03_configuration_management.pptx
+++ b/slides/03_configuration_management.pptx
@@ -208,7 +208,7 @@
             <a:pPr rtl="0"/>
             <a:fld id="{764ED9EE-8F2A-4E06-87A2-36C0DD0993FD}" type="datetime1">
               <a:rPr lang="de-DE" smtClean="0"/>
-              <a:t>26.12.2020</a:t>
+              <a:t>15.01.2021</a:t>
             </a:fld>
             <a:endParaRPr lang="en-US" dirty="0"/>
           </a:p>
@@ -378,7 +378,7 @@
             <a:pPr rtl="0"/>
             <a:fld id="{A5A5ADE8-1FB8-43FD-A675-2B613EE00B6F}" type="datetime1">
               <a:rPr lang="de-DE" smtClean="0"/>
-              <a:t>26.12.2020</a:t>
+              <a:t>15.01.2021</a:t>
             </a:fld>
             <a:endParaRPr lang="en-US"/>
           </a:p>
@@ -892,7 +892,7 @@
             <a:pPr rtl="0"/>
             <a:fld id="{81E9C95E-BEF0-4D2E-9127-B9099B238D2A}" type="datetime1">
               <a:rPr lang="de-DE" smtClean="0"/>
-              <a:t>26.12.2020</a:t>
+              <a:t>15.01.2021</a:t>
             </a:fld>
             <a:endParaRPr lang="en-US" dirty="0"/>
           </a:p>
@@ -1099,7 +1099,7 @@
             <a:pPr rtl="0"/>
             <a:fld id="{FE771757-BB18-44C5-813E-435E78C98126}" type="datetime1">
               <a:rPr lang="de-DE" smtClean="0"/>
-              <a:t>26.12.2020</a:t>
+              <a:t>15.01.2021</a:t>
             </a:fld>
             <a:endParaRPr lang="en-US" dirty="0"/>
           </a:p>
@@ -1465,7 +1465,7 @@
             <a:pPr rtl="0"/>
             <a:fld id="{B83FACD6-565C-4118-ACD0-32ACCA9AF940}" type="datetime1">
               <a:rPr lang="de-DE" smtClean="0"/>
-              <a:t>26.12.2020</a:t>
+              <a:t>15.01.2021</a:t>
             </a:fld>
             <a:endParaRPr lang="en-US" dirty="0"/>
           </a:p>
@@ -1667,7 +1667,7 @@
             <a:pPr rtl="0"/>
             <a:fld id="{83627DD0-092D-4AD9-AAE0-0513E170352E}" type="datetime1">
               <a:rPr lang="de-DE" smtClean="0"/>
-              <a:t>26.12.2020</a:t>
+              <a:t>15.01.2021</a:t>
             </a:fld>
             <a:endParaRPr lang="en-US" dirty="0"/>
           </a:p>
@@ -1983,7 +1983,7 @@
             <a:pPr rtl="0"/>
             <a:fld id="{F36CBEDB-B1DE-4F8C-AD4A-10AD3F77E1A9}" type="datetime1">
               <a:rPr lang="de-DE" smtClean="0"/>
-              <a:t>26.12.2020</a:t>
+              <a:t>15.01.2021</a:t>
             </a:fld>
             <a:endParaRPr lang="en-US" dirty="0"/>
           </a:p>
@@ -2240,7 +2240,7 @@
             <a:pPr rtl="0"/>
             <a:fld id="{F95AE019-BB99-4C3A-AA2C-A36C39CE4DCB}" type="datetime1">
               <a:rPr lang="de-DE" smtClean="0"/>
-              <a:t>26.12.2020</a:t>
+              <a:t>15.01.2021</a:t>
             </a:fld>
             <a:endParaRPr lang="en-US" dirty="0"/>
           </a:p>
@@ -2666,7 +2666,7 @@
             <a:pPr rtl="0"/>
             <a:fld id="{117FAFC6-AD0C-4B5B-B8B0-E729C6D4C810}" type="datetime1">
               <a:rPr lang="de-DE" smtClean="0"/>
-              <a:t>26.12.2020</a:t>
+              <a:t>15.01.2021</a:t>
             </a:fld>
             <a:endParaRPr lang="en-US" dirty="0"/>
           </a:p>
@@ -2793,7 +2793,7 @@
             <a:pPr rtl="0"/>
             <a:fld id="{607DEF3C-A2B0-4F78-836D-1A1B1DEE5467}" type="datetime1">
               <a:rPr lang="de-DE" smtClean="0"/>
-              <a:t>26.12.2020</a:t>
+              <a:t>15.01.2021</a:t>
             </a:fld>
             <a:endParaRPr lang="en-US" dirty="0"/>
           </a:p>
@@ -2891,7 +2891,7 @@
             <a:pPr rtl="0"/>
             <a:fld id="{D971D44B-9C44-467E-B481-41466CDBD2A7}" type="datetime1">
               <a:rPr lang="de-DE" smtClean="0"/>
-              <a:t>26.12.2020</a:t>
+              <a:t>15.01.2021</a:t>
             </a:fld>
             <a:endParaRPr lang="en-US" dirty="0"/>
           </a:p>
@@ -3272,7 +3272,7 @@
             <a:pPr rtl="0"/>
             <a:fld id="{0354EEBD-0E7F-42E6-BE86-4864547D749E}" type="datetime1">
               <a:rPr lang="de-DE" smtClean="0"/>
-              <a:t>26.12.2020</a:t>
+              <a:t>15.01.2021</a:t>
             </a:fld>
             <a:endParaRPr lang="en-US" dirty="0"/>
           </a:p>
@@ -3570,7 +3570,7 @@
             <a:pPr rtl="0"/>
             <a:fld id="{8C7274EF-79A2-4EAD-98EF-7E5BB5EA068D}" type="datetime1">
               <a:rPr lang="de-DE" smtClean="0"/>
-              <a:t>26.12.2020</a:t>
+              <a:t>15.01.2021</a:t>
             </a:fld>
             <a:endParaRPr lang="en-US" dirty="0"/>
           </a:p>
@@ -3788,7 +3788,7 @@
             <a:pPr rtl="0"/>
             <a:fld id="{EDD379EC-906B-4CE5-98C2-3A156331FD9E}" type="datetime1">
               <a:rPr lang="de-DE" smtClean="0"/>
-              <a:t>26.12.2020</a:t>
+              <a:t>15.01.2021</a:t>
             </a:fld>
             <a:endParaRPr lang="en-US" dirty="0"/>
           </a:p>
@@ -4858,12 +4858,6 @@
           <a:p>
             <a:r>
               <a:rPr lang="de-DE" dirty="0"/>
-              <a:t>Globale Variablen in Klassen verwenden</a:t>
-            </a:r>
-          </a:p>
-          <a:p>
-            <a:r>
-              <a:rPr lang="de-DE" dirty="0"/>
               <a:t>Was ist YAML?</a:t>
             </a:r>
           </a:p>
@@ -4883,6 +4877,12 @@
             <a:r>
               <a:rPr lang="de-DE" dirty="0"/>
               <a:t>Verwenden einzelner Konfigurationen</a:t>
+            </a:r>
+          </a:p>
+          <a:p>
+            <a:r>
+              <a:rPr lang="de-DE"/>
+              <a:t>Globale Variablen in Klassen verwenden</a:t>
             </a:r>
           </a:p>
         </p:txBody>
@@ -4911,7 +4911,7 @@
             <a:pPr rtl="0"/>
             <a:fld id="{83627DD0-092D-4AD9-AAE0-0513E170352E}" type="datetime1">
               <a:rPr lang="de-DE" smtClean="0"/>
-              <a:t>26.12.2020</a:t>
+              <a:t>15.01.2021</a:t>
             </a:fld>
             <a:endParaRPr lang="en-US" dirty="0"/>
           </a:p>
@@ -5113,7 +5113,7 @@
             <a:pPr rtl="0"/>
             <a:fld id="{83627DD0-092D-4AD9-AAE0-0513E170352E}" type="datetime1">
               <a:rPr lang="de-DE" smtClean="0"/>
-              <a:t>26.12.2020</a:t>
+              <a:t>15.01.2021</a:t>
             </a:fld>
             <a:endParaRPr lang="en-US" dirty="0"/>
           </a:p>
@@ -5201,7 +5201,7 @@
             <a:pPr rtl="0"/>
             <a:fld id="{83627DD0-092D-4AD9-AAE0-0513E170352E}" type="datetime1">
               <a:rPr lang="de-DE" smtClean="0"/>
-              <a:t>26.12.2020</a:t>
+              <a:t>15.01.2021</a:t>
             </a:fld>
             <a:endParaRPr lang="en-US" dirty="0"/>
           </a:p>
